--- a/AITraining/Fundamentals/Artificial Intelligence/AI - Graph Search.pptx
+++ b/AITraining/Fundamentals/Artificial Intelligence/AI - Graph Search.pptx
@@ -218,7 +218,7 @@
           <a:p>
             <a:fld id="{FAF957FC-5175-49AC-8D2B-2F056FFFC1DD}" type="datetimeFigureOut">
               <a:rPr lang="en-US" smtClean="0"/>
-              <a:t>10/25/2017</a:t>
+              <a:t>6/9/2018</a:t>
             </a:fld>
             <a:endParaRPr lang="en-US"/>
           </a:p>
@@ -752,7 +752,7 @@
             <a:fld id="{1D8BD707-D9CF-40AE-B4C6-C98DA3205C09}" type="datetimeFigureOut">
               <a:rPr lang="en-US" smtClean="0"/>
               <a:pPr/>
-              <a:t>10/25/2017</a:t>
+              <a:t>6/9/2018</a:t>
             </a:fld>
             <a:endParaRPr lang="en-US"/>
           </a:p>
@@ -919,7 +919,7 @@
             <a:fld id="{1D8BD707-D9CF-40AE-B4C6-C98DA3205C09}" type="datetimeFigureOut">
               <a:rPr lang="en-US" smtClean="0"/>
               <a:pPr/>
-              <a:t>10/25/2017</a:t>
+              <a:t>6/9/2018</a:t>
             </a:fld>
             <a:endParaRPr lang="en-US"/>
           </a:p>
@@ -1096,7 +1096,7 @@
             <a:fld id="{1D8BD707-D9CF-40AE-B4C6-C98DA3205C09}" type="datetimeFigureOut">
               <a:rPr lang="en-US" smtClean="0"/>
               <a:pPr/>
-              <a:t>10/25/2017</a:t>
+              <a:t>6/9/2018</a:t>
             </a:fld>
             <a:endParaRPr lang="en-US"/>
           </a:p>
@@ -1263,7 +1263,7 @@
             <a:fld id="{1D8BD707-D9CF-40AE-B4C6-C98DA3205C09}" type="datetimeFigureOut">
               <a:rPr lang="en-US" smtClean="0"/>
               <a:pPr/>
-              <a:t>10/25/2017</a:t>
+              <a:t>6/9/2018</a:t>
             </a:fld>
             <a:endParaRPr lang="en-US"/>
           </a:p>
@@ -1506,7 +1506,7 @@
             <a:fld id="{1D8BD707-D9CF-40AE-B4C6-C98DA3205C09}" type="datetimeFigureOut">
               <a:rPr lang="en-US" smtClean="0"/>
               <a:pPr/>
-              <a:t>10/25/2017</a:t>
+              <a:t>6/9/2018</a:t>
             </a:fld>
             <a:endParaRPr lang="en-US"/>
           </a:p>
@@ -1791,7 +1791,7 @@
             <a:fld id="{1D8BD707-D9CF-40AE-B4C6-C98DA3205C09}" type="datetimeFigureOut">
               <a:rPr lang="en-US" smtClean="0"/>
               <a:pPr/>
-              <a:t>10/25/2017</a:t>
+              <a:t>6/9/2018</a:t>
             </a:fld>
             <a:endParaRPr lang="en-US"/>
           </a:p>
@@ -2210,7 +2210,7 @@
             <a:fld id="{1D8BD707-D9CF-40AE-B4C6-C98DA3205C09}" type="datetimeFigureOut">
               <a:rPr lang="en-US" smtClean="0"/>
               <a:pPr/>
-              <a:t>10/25/2017</a:t>
+              <a:t>6/9/2018</a:t>
             </a:fld>
             <a:endParaRPr lang="en-US"/>
           </a:p>
@@ -2325,7 +2325,7 @@
             <a:fld id="{1D8BD707-D9CF-40AE-B4C6-C98DA3205C09}" type="datetimeFigureOut">
               <a:rPr lang="en-US" smtClean="0"/>
               <a:pPr/>
-              <a:t>10/25/2017</a:t>
+              <a:t>6/9/2018</a:t>
             </a:fld>
             <a:endParaRPr lang="en-US"/>
           </a:p>
@@ -2417,7 +2417,7 @@
             <a:fld id="{1D8BD707-D9CF-40AE-B4C6-C98DA3205C09}" type="datetimeFigureOut">
               <a:rPr lang="en-US" smtClean="0"/>
               <a:pPr/>
-              <a:t>10/25/2017</a:t>
+              <a:t>6/9/2018</a:t>
             </a:fld>
             <a:endParaRPr lang="en-US"/>
           </a:p>
@@ -2691,7 +2691,7 @@
             <a:fld id="{1D8BD707-D9CF-40AE-B4C6-C98DA3205C09}" type="datetimeFigureOut">
               <a:rPr lang="en-US" smtClean="0"/>
               <a:pPr/>
-              <a:t>10/25/2017</a:t>
+              <a:t>6/9/2018</a:t>
             </a:fld>
             <a:endParaRPr lang="en-US"/>
           </a:p>
@@ -2941,7 +2941,7 @@
             <a:fld id="{1D8BD707-D9CF-40AE-B4C6-C98DA3205C09}" type="datetimeFigureOut">
               <a:rPr lang="en-US" smtClean="0"/>
               <a:pPr/>
-              <a:t>10/25/2017</a:t>
+              <a:t>6/9/2018</a:t>
             </a:fld>
             <a:endParaRPr lang="en-US"/>
           </a:p>
@@ -3151,7 +3151,7 @@
             <a:fld id="{1D8BD707-D9CF-40AE-B4C6-C98DA3205C09}" type="datetimeFigureOut">
               <a:rPr lang="en-US" smtClean="0"/>
               <a:pPr/>
-              <a:t>10/25/2017</a:t>
+              <a:t>6/9/2018</a:t>
             </a:fld>
             <a:endParaRPr lang="en-US"/>
           </a:p>
@@ -4683,7 +4683,7 @@
               <a:t> </a:t>
             </a:r>
             <a:r>
-              <a:rPr lang="en-US" altLang="en-US" sz="1400" dirty="0">
+              <a:rPr lang="en-US" altLang="en-US" sz="1400" dirty="0" smtClean="0">
                 <a:latin typeface="Arial Unicode MS" pitchFamily="34" charset="-128"/>
                 <a:cs typeface="Arial" pitchFamily="34" charset="0"/>
               </a:rPr>
@@ -4701,7 +4701,42 @@
                 <a:latin typeface="Arial Unicode MS" pitchFamily="34" charset="-128"/>
                 <a:cs typeface="Arial" pitchFamily="34" charset="0"/>
               </a:rPr>
-              <a:t>.Action() </a:t>
+              <a:t>.</a:t>
+            </a:r>
+            <a:r>
+              <a:rPr lang="en-US" altLang="en-US" sz="1400" dirty="0">
+                <a:latin typeface="Arial Unicode MS" pitchFamily="34" charset="-128"/>
+                <a:cs typeface="Arial" pitchFamily="34" charset="0"/>
+              </a:rPr>
+              <a:t>a</a:t>
+            </a:r>
+            <a:r>
+              <a:rPr kumimoji="0" lang="en-US" altLang="en-US" sz="1400" b="0" i="0" u="none" strike="noStrike" cap="none" normalizeH="0" baseline="0" dirty="0" smtClean="0">
+                <a:ln>
+                  <a:noFill/>
+                </a:ln>
+                <a:solidFill>
+                  <a:schemeClr val="tx1"/>
+                </a:solidFill>
+                <a:effectLst/>
+                <a:latin typeface="Arial Unicode MS" pitchFamily="34" charset="-128"/>
+                <a:cs typeface="Arial" pitchFamily="34" charset="0"/>
+              </a:rPr>
+              <a:t>ction</a:t>
+            </a:r>
+            <a:r>
+              <a:rPr kumimoji="0" lang="en-US" altLang="en-US" sz="1400" b="0" i="0" u="none" strike="noStrike" cap="none" normalizeH="0" baseline="0" dirty="0" smtClean="0">
+                <a:ln>
+                  <a:noFill/>
+                </a:ln>
+                <a:solidFill>
+                  <a:schemeClr val="tx1"/>
+                </a:solidFill>
+                <a:effectLst/>
+                <a:latin typeface="Arial Unicode MS" pitchFamily="34" charset="-128"/>
+                <a:cs typeface="Arial" pitchFamily="34" charset="0"/>
+              </a:rPr>
+              <a:t>() </a:t>
             </a:r>
             <a:br>
               <a:rPr kumimoji="0" lang="en-US" altLang="en-US" sz="1400" b="0" i="0" u="none" strike="noStrike" cap="none" normalizeH="0" baseline="0" dirty="0" smtClean="0">
@@ -4852,7 +4887,21 @@
                 <a:latin typeface="Arial Unicode MS" pitchFamily="34" charset="-128"/>
                 <a:cs typeface="Arial" pitchFamily="34" charset="0"/>
               </a:rPr>
-              <a:t> ]</a:t>
+              <a:t> </a:t>
+            </a:r>
+            <a:r>
+              <a:rPr kumimoji="0" lang="en-US" altLang="en-US" sz="1400" b="0" i="0" u="none" strike="noStrike" cap="none" normalizeH="0" dirty="0" smtClean="0">
+                <a:ln>
+                  <a:noFill/>
+                </a:ln>
+                <a:solidFill>
+                  <a:schemeClr val="tx1"/>
+                </a:solidFill>
+                <a:effectLst/>
+                <a:latin typeface="Arial Unicode MS" pitchFamily="34" charset="-128"/>
+                <a:cs typeface="Arial" pitchFamily="34" charset="0"/>
+              </a:rPr>
+              <a:t>]</a:t>
             </a:r>
             <a:r>
               <a:rPr kumimoji="0" lang="en-US" altLang="en-US" sz="1400" b="0" i="0" u="none" strike="noStrike" cap="none" normalizeH="0" baseline="0" dirty="0" smtClean="0">
@@ -4866,7 +4915,21 @@
                 <a:latin typeface="Arial Unicode MS" pitchFamily="34" charset="-128"/>
                 <a:cs typeface="Arial" pitchFamily="34" charset="0"/>
               </a:rPr>
-              <a:t>.Left() is not None: </a:t>
+              <a:t>.left</a:t>
+            </a:r>
+            <a:r>
+              <a:rPr kumimoji="0" lang="en-US" altLang="en-US" sz="1400" b="0" i="0" u="none" strike="noStrike" cap="none" normalizeH="0" baseline="0" dirty="0" smtClean="0">
+                <a:ln>
+                  <a:noFill/>
+                </a:ln>
+                <a:solidFill>
+                  <a:schemeClr val="tx1"/>
+                </a:solidFill>
+                <a:effectLst/>
+                <a:latin typeface="Arial Unicode MS" pitchFamily="34" charset="-128"/>
+                <a:cs typeface="Arial" pitchFamily="34" charset="0"/>
+              </a:rPr>
+              <a:t>() is not None: </a:t>
             </a:r>
           </a:p>
           <a:p>
@@ -4968,7 +5031,21 @@
                 <a:latin typeface="Arial Unicode MS" pitchFamily="34" charset="-128"/>
                 <a:cs typeface="Arial" pitchFamily="34" charset="0"/>
               </a:rPr>
-              <a:t> ]</a:t>
+              <a:t> </a:t>
+            </a:r>
+            <a:r>
+              <a:rPr kumimoji="0" lang="en-US" altLang="en-US" sz="1400" b="0" i="0" u="none" strike="noStrike" cap="none" normalizeH="0" dirty="0" smtClean="0">
+                <a:ln>
+                  <a:noFill/>
+                </a:ln>
+                <a:solidFill>
+                  <a:schemeClr val="tx1"/>
+                </a:solidFill>
+                <a:effectLst/>
+                <a:latin typeface="Arial Unicode MS" pitchFamily="34" charset="-128"/>
+                <a:cs typeface="Arial" pitchFamily="34" charset="0"/>
+              </a:rPr>
+              <a:t>]</a:t>
             </a:r>
             <a:r>
               <a:rPr kumimoji="0" lang="en-US" altLang="en-US" sz="1400" b="0" i="0" u="none" strike="noStrike" cap="none" normalizeH="0" baseline="0" dirty="0" smtClean="0">
@@ -4982,7 +5059,21 @@
                 <a:latin typeface="Arial Unicode MS" pitchFamily="34" charset="-128"/>
                 <a:cs typeface="Arial" pitchFamily="34" charset="0"/>
               </a:rPr>
-              <a:t>.Left() ) </a:t>
+              <a:t>.left</a:t>
+            </a:r>
+            <a:r>
+              <a:rPr kumimoji="0" lang="en-US" altLang="en-US" sz="1400" b="0" i="0" u="none" strike="noStrike" cap="none" normalizeH="0" baseline="0" dirty="0" smtClean="0">
+                <a:ln>
+                  <a:noFill/>
+                </a:ln>
+                <a:solidFill>
+                  <a:schemeClr val="tx1"/>
+                </a:solidFill>
+                <a:effectLst/>
+                <a:latin typeface="Arial Unicode MS" pitchFamily="34" charset="-128"/>
+                <a:cs typeface="Arial" pitchFamily="34" charset="0"/>
+              </a:rPr>
+              <a:t>() ) </a:t>
             </a:r>
             <a:br>
               <a:rPr kumimoji="0" lang="en-US" altLang="en-US" sz="1400" b="0" i="0" u="none" strike="noStrike" cap="none" normalizeH="0" baseline="0" dirty="0" smtClean="0">
@@ -5051,7 +5142,21 @@
                 <a:latin typeface="Arial Unicode MS" pitchFamily="34" charset="-128"/>
                 <a:cs typeface="Arial" pitchFamily="34" charset="0"/>
               </a:rPr>
-              <a:t> ]</a:t>
+              <a:t> </a:t>
+            </a:r>
+            <a:r>
+              <a:rPr kumimoji="0" lang="en-US" altLang="en-US" sz="1400" b="0" i="0" u="none" strike="noStrike" cap="none" normalizeH="0" dirty="0" smtClean="0">
+                <a:ln>
+                  <a:noFill/>
+                </a:ln>
+                <a:solidFill>
+                  <a:schemeClr val="tx1"/>
+                </a:solidFill>
+                <a:effectLst/>
+                <a:latin typeface="Arial Unicode MS" pitchFamily="34" charset="-128"/>
+                <a:cs typeface="Arial" pitchFamily="34" charset="0"/>
+              </a:rPr>
+              <a:t>]</a:t>
             </a:r>
             <a:r>
               <a:rPr kumimoji="0" lang="en-US" altLang="en-US" sz="1400" b="0" i="0" u="none" strike="noStrike" cap="none" normalizeH="0" baseline="0" dirty="0" smtClean="0">
@@ -5065,7 +5170,21 @@
                 <a:latin typeface="Arial Unicode MS" pitchFamily="34" charset="-128"/>
                 <a:cs typeface="Arial" pitchFamily="34" charset="0"/>
               </a:rPr>
-              <a:t>.Right() is not None: </a:t>
+              <a:t>.right</a:t>
+            </a:r>
+            <a:r>
+              <a:rPr kumimoji="0" lang="en-US" altLang="en-US" sz="1400" b="0" i="0" u="none" strike="noStrike" cap="none" normalizeH="0" baseline="0" dirty="0" smtClean="0">
+                <a:ln>
+                  <a:noFill/>
+                </a:ln>
+                <a:solidFill>
+                  <a:schemeClr val="tx1"/>
+                </a:solidFill>
+                <a:effectLst/>
+                <a:latin typeface="Arial Unicode MS" pitchFamily="34" charset="-128"/>
+                <a:cs typeface="Arial" pitchFamily="34" charset="0"/>
+              </a:rPr>
+              <a:t>() is not None: </a:t>
             </a:r>
             <a:br>
               <a:rPr kumimoji="0" lang="en-US" altLang="en-US" sz="1400" b="0" i="0" u="none" strike="noStrike" cap="none" normalizeH="0" baseline="0" dirty="0" smtClean="0">
@@ -5162,7 +5281,21 @@
                 <a:latin typeface="Arial Unicode MS" pitchFamily="34" charset="-128"/>
                 <a:cs typeface="Arial" pitchFamily="34" charset="0"/>
               </a:rPr>
-              <a:t> ]</a:t>
+              <a:t> </a:t>
+            </a:r>
+            <a:r>
+              <a:rPr kumimoji="0" lang="en-US" altLang="en-US" sz="1400" b="0" i="0" u="none" strike="noStrike" cap="none" normalizeH="0" dirty="0" smtClean="0">
+                <a:ln>
+                  <a:noFill/>
+                </a:ln>
+                <a:solidFill>
+                  <a:schemeClr val="tx1"/>
+                </a:solidFill>
+                <a:effectLst/>
+                <a:latin typeface="Arial Unicode MS" pitchFamily="34" charset="-128"/>
+                <a:cs typeface="Arial" pitchFamily="34" charset="0"/>
+              </a:rPr>
+              <a:t>]</a:t>
             </a:r>
             <a:r>
               <a:rPr kumimoji="0" lang="en-US" altLang="en-US" sz="1400" b="0" i="0" u="none" strike="noStrike" cap="none" normalizeH="0" baseline="0" dirty="0" smtClean="0">
@@ -5176,7 +5309,21 @@
                 <a:latin typeface="Arial Unicode MS" pitchFamily="34" charset="-128"/>
                 <a:cs typeface="Arial" pitchFamily="34" charset="0"/>
               </a:rPr>
-              <a:t>.Right() ) </a:t>
+              <a:t>.right</a:t>
+            </a:r>
+            <a:r>
+              <a:rPr kumimoji="0" lang="en-US" altLang="en-US" sz="1400" b="0" i="0" u="none" strike="noStrike" cap="none" normalizeH="0" baseline="0" dirty="0" smtClean="0">
+                <a:ln>
+                  <a:noFill/>
+                </a:ln>
+                <a:solidFill>
+                  <a:schemeClr val="tx1"/>
+                </a:solidFill>
+                <a:effectLst/>
+                <a:latin typeface="Arial Unicode MS" pitchFamily="34" charset="-128"/>
+                <a:cs typeface="Arial" pitchFamily="34" charset="0"/>
+              </a:rPr>
+              <a:t>() ) </a:t>
             </a:r>
           </a:p>
           <a:p>
@@ -6447,7 +6594,7 @@
                 <a:latin typeface="Arial Unicode MS" pitchFamily="34" charset="-128"/>
                 <a:cs typeface="Arial" pitchFamily="34" charset="0"/>
               </a:rPr>
-              <a:t>InOrder</a:t>
+              <a:t>inOrder</a:t>
             </a:r>
             <a:r>
               <a:rPr kumimoji="0" lang="en-US" altLang="en-US" sz="1400" b="0" i="0" u="none" strike="noStrike" cap="none" normalizeH="0" baseline="0" dirty="0" smtClean="0">
@@ -6461,7 +6608,21 @@
                 <a:latin typeface="Arial Unicode MS" pitchFamily="34" charset="-128"/>
                 <a:cs typeface="Arial" pitchFamily="34" charset="0"/>
               </a:rPr>
-              <a:t>(root): </a:t>
+              <a:t>(root</a:t>
+            </a:r>
+            <a:r>
+              <a:rPr kumimoji="0" lang="en-US" altLang="en-US" sz="1400" b="0" i="0" u="none" strike="noStrike" cap="none" normalizeH="0" baseline="0" dirty="0" smtClean="0">
+                <a:ln>
+                  <a:noFill/>
+                </a:ln>
+                <a:solidFill>
+                  <a:schemeClr val="tx1"/>
+                </a:solidFill>
+                <a:effectLst/>
+                <a:latin typeface="Arial Unicode MS" pitchFamily="34" charset="-128"/>
+                <a:cs typeface="Arial" pitchFamily="34" charset="0"/>
+              </a:rPr>
+              <a:t>): </a:t>
             </a:r>
             <a:br>
               <a:rPr kumimoji="0" lang="en-US" altLang="en-US" sz="1400" b="0" i="0" u="none" strike="noStrike" cap="none" normalizeH="0" baseline="0" dirty="0" smtClean="0">
@@ -6584,7 +6745,7 @@
                 <a:latin typeface="Arial Unicode MS" pitchFamily="34" charset="-128"/>
                 <a:cs typeface="Arial" pitchFamily="34" charset="0"/>
               </a:rPr>
-              <a:t>root.Left</a:t>
+              <a:t>root.left</a:t>
             </a:r>
             <a:r>
               <a:rPr kumimoji="0" lang="en-US" altLang="en-US" sz="1400" b="0" i="0" u="none" strike="noStrike" cap="none" normalizeH="0" baseline="0" dirty="0" smtClean="0">
@@ -6625,7 +6786,35 @@
                 <a:latin typeface="Arial Unicode MS" pitchFamily="34" charset="-128"/>
                 <a:cs typeface="Arial" pitchFamily="34" charset="0"/>
               </a:rPr>
-              <a:t>	Action( root ) </a:t>
+              <a:t>	</a:t>
+            </a:r>
+            <a:r>
+              <a:rPr kumimoji="0" lang="en-US" altLang="en-US" sz="1400" b="0" i="0" u="none" strike="noStrike" cap="none" normalizeH="0" baseline="0" dirty="0" smtClean="0">
+                <a:ln>
+                  <a:noFill/>
+                </a:ln>
+                <a:solidFill>
+                  <a:schemeClr val="tx1"/>
+                </a:solidFill>
+                <a:effectLst/>
+                <a:latin typeface="Arial Unicode MS" pitchFamily="34" charset="-128"/>
+                <a:cs typeface="Arial" pitchFamily="34" charset="0"/>
+              </a:rPr>
+              <a:t>Action</a:t>
+            </a:r>
+            <a:r>
+              <a:rPr kumimoji="0" lang="en-US" altLang="en-US" sz="1400" b="0" i="0" u="none" strike="noStrike" cap="none" normalizeH="0" baseline="0" dirty="0" smtClean="0">
+                <a:ln>
+                  <a:noFill/>
+                </a:ln>
+                <a:solidFill>
+                  <a:schemeClr val="tx1"/>
+                </a:solidFill>
+                <a:effectLst/>
+                <a:latin typeface="Arial Unicode MS" pitchFamily="34" charset="-128"/>
+                <a:cs typeface="Arial" pitchFamily="34" charset="0"/>
+              </a:rPr>
+              <a:t>( root ) </a:t>
             </a:r>
             <a:br>
               <a:rPr kumimoji="0" lang="en-US" altLang="en-US" sz="1400" b="0" i="0" u="none" strike="noStrike" cap="none" normalizeH="0" baseline="0" dirty="0" smtClean="0">
@@ -6694,7 +6883,7 @@
                 <a:latin typeface="Arial Unicode MS" pitchFamily="34" charset="-128"/>
                 <a:cs typeface="Arial" pitchFamily="34" charset="0"/>
               </a:rPr>
-              <a:t>root.Right</a:t>
+              <a:t>root.right</a:t>
             </a:r>
             <a:r>
               <a:rPr kumimoji="0" lang="en-US" altLang="en-US" sz="1400" b="0" i="0" u="none" strike="noStrike" cap="none" normalizeH="0" baseline="0" dirty="0" smtClean="0">
@@ -8157,7 +8346,7 @@
                 <a:latin typeface="Arial Unicode MS" pitchFamily="34" charset="-128"/>
                 <a:cs typeface="Arial" pitchFamily="34" charset="0"/>
               </a:rPr>
-              <a:t>root.Left</a:t>
+              <a:t>root.left</a:t>
             </a:r>
             <a:r>
               <a:rPr kumimoji="0" lang="en-US" altLang="en-US" sz="1400" b="0" i="0" u="none" strike="noStrike" cap="none" normalizeH="0" baseline="0" dirty="0" smtClean="0">
@@ -8240,7 +8429,7 @@
                 <a:latin typeface="Arial Unicode MS" pitchFamily="34" charset="-128"/>
                 <a:cs typeface="Arial" pitchFamily="34" charset="0"/>
               </a:rPr>
-              <a:t>root.Right</a:t>
+              <a:t>root.right</a:t>
             </a:r>
             <a:r>
               <a:rPr kumimoji="0" lang="en-US" altLang="en-US" sz="1400" b="0" i="0" u="none" strike="noStrike" cap="none" normalizeH="0" baseline="0" dirty="0" smtClean="0">
@@ -9689,7 +9878,7 @@
                 <a:latin typeface="Arial Unicode MS" pitchFamily="34" charset="-128"/>
                 <a:cs typeface="Arial" pitchFamily="34" charset="0"/>
               </a:rPr>
-              <a:t>root.Left</a:t>
+              <a:t>root.left</a:t>
             </a:r>
             <a:r>
               <a:rPr kumimoji="0" lang="en-US" altLang="en-US" sz="1400" b="0" i="0" u="none" strike="noStrike" cap="none" normalizeH="0" baseline="0" dirty="0" smtClean="0">
@@ -9772,7 +9961,7 @@
                 <a:latin typeface="Arial Unicode MS" pitchFamily="34" charset="-128"/>
                 <a:cs typeface="Arial" pitchFamily="34" charset="0"/>
               </a:rPr>
-              <a:t>root.Right</a:t>
+              <a:t>root.right</a:t>
             </a:r>
             <a:r>
               <a:rPr kumimoji="0" lang="en-US" altLang="en-US" sz="1400" b="0" i="0" u="none" strike="noStrike" cap="none" normalizeH="0" baseline="0" dirty="0" smtClean="0">
@@ -22457,8 +22646,18 @@
           <a:lstStyle/>
           <a:p>
             <a:r>
+              <a:rPr lang="en-US" sz="1400" b="1" dirty="0">
+                <a:solidFill>
+                  <a:schemeClr val="accent5">
+                    <a:lumMod val="75000"/>
+                  </a:schemeClr>
+                </a:solidFill>
+              </a:rPr>
+              <a:t>class</a:t>
+            </a:r>
+            <a:r>
               <a:rPr lang="en-US" sz="1400" dirty="0"/>
-              <a:t>class </a:t>
+              <a:t> </a:t>
             </a:r>
             <a:r>
               <a:rPr lang="en-US" sz="1400" dirty="0" err="1" smtClean="0"/>
@@ -22511,7 +22710,13 @@
               <a:t>	</a:t>
             </a:r>
             <a:r>
-              <a:rPr lang="en-US" sz="1400" dirty="0" err="1" smtClean="0"/>
+              <a:rPr lang="en-US" sz="1400" b="1" dirty="0" err="1" smtClean="0">
+                <a:solidFill>
+                  <a:schemeClr val="accent5">
+                    <a:lumMod val="75000"/>
+                  </a:schemeClr>
+                </a:solidFill>
+              </a:rPr>
               <a:t>def</a:t>
             </a:r>
             <a:r>
@@ -22543,15 +22748,33 @@
             </a:r>
             <a:r>
               <a:rPr lang="en-US" sz="1400" dirty="0" err="1" smtClean="0"/>
-              <a:t>self.left</a:t>
+              <a:t>self</a:t>
+            </a:r>
+            <a:r>
+              <a:rPr lang="en-US" sz="1400" dirty="0" err="1" smtClean="0"/>
+              <a:t>._left</a:t>
             </a:r>
             <a:r>
               <a:rPr lang="en-US" sz="1400" dirty="0" smtClean="0"/>
-              <a:t>   = </a:t>
+              <a:t>   </a:t>
+            </a:r>
+            <a:r>
+              <a:rPr lang="en-US" sz="1400" dirty="0" smtClean="0"/>
+              <a:t>= </a:t>
+            </a:r>
+            <a:r>
+              <a:rPr lang="en-US" sz="1400" b="1" dirty="0">
+                <a:solidFill>
+                  <a:schemeClr val="accent5">
+                    <a:lumMod val="75000"/>
+                  </a:schemeClr>
+                </a:solidFill>
+              </a:rPr>
+              <a:t>None</a:t>
             </a:r>
             <a:r>
               <a:rPr lang="en-US" sz="1400" dirty="0"/>
-              <a:t>None </a:t>
+              <a:t> </a:t>
             </a:r>
             <a:r>
               <a:rPr lang="en-US" sz="1400" dirty="0" smtClean="0"/>
@@ -22594,7 +22817,11 @@
             </a:r>
             <a:r>
               <a:rPr lang="en-US" sz="1400" dirty="0" err="1" smtClean="0"/>
-              <a:t>self.right</a:t>
+              <a:t>self</a:t>
+            </a:r>
+            <a:r>
+              <a:rPr lang="en-US" sz="1400" dirty="0" err="1" smtClean="0"/>
+              <a:t>._right</a:t>
             </a:r>
             <a:r>
               <a:rPr lang="en-US" sz="1400" dirty="0" smtClean="0"/>
@@ -22602,7 +22829,21 @@
             </a:r>
             <a:r>
               <a:rPr lang="en-US" sz="1400" dirty="0"/>
-              <a:t>= None </a:t>
+              <a:t>= </a:t>
+            </a:r>
+            <a:r>
+              <a:rPr lang="en-US" sz="1400" b="1" dirty="0">
+                <a:solidFill>
+                  <a:schemeClr val="accent5">
+                    <a:lumMod val="75000"/>
+                  </a:schemeClr>
+                </a:solidFill>
+              </a:rPr>
+              <a:t>None</a:t>
+            </a:r>
+            <a:r>
+              <a:rPr lang="en-US" sz="1400" dirty="0"/>
+              <a:t> </a:t>
             </a:r>
             <a:r>
               <a:rPr lang="en-US" sz="1400" dirty="0" smtClean="0"/>
@@ -22641,11 +22882,19 @@
             </a:r>
             <a:r>
               <a:rPr lang="en-US" sz="1400" dirty="0" err="1" smtClean="0"/>
-              <a:t>self.key</a:t>
+              <a:t>self</a:t>
+            </a:r>
+            <a:r>
+              <a:rPr lang="en-US" sz="1400" dirty="0" err="1" smtClean="0"/>
+              <a:t>._key</a:t>
             </a:r>
             <a:r>
               <a:rPr lang="en-US" sz="1400" dirty="0" smtClean="0"/>
-              <a:t>   = </a:t>
+              <a:t>   </a:t>
+            </a:r>
+            <a:r>
+              <a:rPr lang="en-US" sz="1400" dirty="0" smtClean="0"/>
+              <a:t>= </a:t>
             </a:r>
             <a:r>
               <a:rPr lang="en-US" sz="1400" dirty="0"/>
@@ -22694,12 +22943,12 @@
               <a:t># Get </a:t>
             </a:r>
             <a:r>
-              <a:rPr lang="en-US" sz="1400" dirty="0" err="1" smtClean="0">
+              <a:rPr lang="en-US" sz="1400" dirty="0" smtClean="0">
                 <a:solidFill>
                   <a:srgbClr val="00B050"/>
                 </a:solidFill>
               </a:rPr>
-              <a:t>ot</a:t>
+              <a:t>or </a:t>
             </a:r>
             <a:r>
               <a:rPr lang="en-US" sz="1400" dirty="0" smtClean="0">
@@ -22707,7 +22956,7 @@
                   <a:srgbClr val="00B050"/>
                 </a:solidFill>
               </a:rPr>
-              <a:t> Set </a:t>
+              <a:t>Set </a:t>
             </a:r>
             <a:r>
               <a:rPr lang="en-US" sz="1400" dirty="0">
@@ -22729,27 +22978,79 @@
               <a:t>	</a:t>
             </a:r>
             <a:r>
-              <a:rPr lang="en-US" sz="1400" dirty="0" err="1" smtClean="0"/>
+              <a:rPr lang="en-US" sz="1400" b="1" dirty="0" err="1" smtClean="0">
+                <a:solidFill>
+                  <a:schemeClr val="accent5">
+                    <a:lumMod val="75000"/>
+                  </a:schemeClr>
+                </a:solidFill>
+              </a:rPr>
               <a:t>def</a:t>
             </a:r>
             <a:r>
+              <a:rPr lang="en-US" sz="1400" b="1" dirty="0" smtClean="0">
+                <a:solidFill>
+                  <a:schemeClr val="accent5">
+                    <a:lumMod val="75000"/>
+                  </a:schemeClr>
+                </a:solidFill>
+              </a:rPr>
+              <a:t> </a:t>
+            </a:r>
+            <a:r>
               <a:rPr lang="en-US" sz="1400" dirty="0" smtClean="0"/>
-              <a:t> </a:t>
+              <a:t>left(self</a:t>
             </a:r>
             <a:r>
               <a:rPr lang="en-US" sz="1400" dirty="0"/>
-              <a:t>Left(self, </a:t>
+              <a:t>, </a:t>
             </a:r>
             <a:r>
               <a:rPr lang="en-US" sz="1400" dirty="0" smtClean="0"/>
-              <a:t>left = None): </a:t>
+              <a:t>left = </a:t>
+            </a:r>
+            <a:r>
+              <a:rPr lang="en-US" sz="1400" b="1" dirty="0" smtClean="0">
+                <a:solidFill>
+                  <a:schemeClr val="accent5">
+                    <a:lumMod val="75000"/>
+                  </a:schemeClr>
+                </a:solidFill>
+              </a:rPr>
+              <a:t>None</a:t>
+            </a:r>
+            <a:r>
+              <a:rPr lang="en-US" sz="1400" dirty="0" smtClean="0"/>
+              <a:t>): </a:t>
             </a:r>
             <a:br>
               <a:rPr lang="en-US" sz="1400" dirty="0" smtClean="0"/>
             </a:br>
             <a:r>
               <a:rPr lang="en-US" sz="1400" dirty="0" smtClean="0"/>
-              <a:t>		if left is None:</a:t>
+              <a:t>		</a:t>
+            </a:r>
+            <a:r>
+              <a:rPr lang="en-US" sz="1400" b="1" dirty="0" smtClean="0"/>
+              <a:t>if</a:t>
+            </a:r>
+            <a:r>
+              <a:rPr lang="en-US" sz="1400" dirty="0" smtClean="0"/>
+              <a:t> left </a:t>
+            </a:r>
+            <a:r>
+              <a:rPr lang="en-US" sz="1400" b="1" dirty="0" smtClean="0">
+                <a:solidFill>
+                  <a:schemeClr val="accent5">
+                    <a:lumMod val="75000"/>
+                  </a:schemeClr>
+                </a:solidFill>
+              </a:rPr>
+              <a:t>is None</a:t>
+            </a:r>
+            <a:r>
+              <a:rPr lang="en-US" sz="1400" dirty="0" smtClean="0"/>
+              <a:t>:</a:t>
             </a:r>
           </a:p>
           <a:p>
@@ -22759,11 +23060,29 @@
             </a:r>
             <a:r>
               <a:rPr lang="en-US" sz="1400" dirty="0" smtClean="0"/>
-              <a:t>		return </a:t>
+              <a:t>		</a:t>
+            </a:r>
+            <a:r>
+              <a:rPr lang="en-US" sz="1400" b="1" dirty="0" smtClean="0">
+                <a:solidFill>
+                  <a:schemeClr val="accent5">
+                    <a:lumMod val="75000"/>
+                  </a:schemeClr>
+                </a:solidFill>
+              </a:rPr>
+              <a:t>return</a:t>
+            </a:r>
+            <a:r>
+              <a:rPr lang="en-US" sz="1400" dirty="0" smtClean="0"/>
+              <a:t> </a:t>
             </a:r>
             <a:r>
               <a:rPr lang="en-US" sz="1400" dirty="0" err="1" smtClean="0"/>
-              <a:t>self.left</a:t>
+              <a:t>self</a:t>
+            </a:r>
+            <a:r>
+              <a:rPr lang="en-US" sz="1400" dirty="0" err="1" smtClean="0"/>
+              <a:t>._left</a:t>
             </a:r>
             <a:endParaRPr lang="en-US" sz="1400" dirty="0" smtClean="0"/>
           </a:p>
@@ -22778,7 +23097,11 @@
             </a:r>
             <a:r>
               <a:rPr lang="en-US" sz="1400" dirty="0" err="1" smtClean="0"/>
-              <a:t>self.left</a:t>
+              <a:t>self</a:t>
+            </a:r>
+            <a:r>
+              <a:rPr lang="en-US" sz="1400" dirty="0" err="1" smtClean="0"/>
+              <a:t>._left</a:t>
             </a:r>
             <a:r>
               <a:rPr lang="en-US" sz="1400" dirty="0" smtClean="0"/>
@@ -22826,7 +23149,13 @@
               <a:t>	</a:t>
             </a:r>
             <a:r>
-              <a:rPr lang="en-US" sz="1400" dirty="0" err="1" smtClean="0"/>
+              <a:rPr lang="en-US" sz="1400" b="1" dirty="0" err="1" smtClean="0">
+                <a:solidFill>
+                  <a:schemeClr val="accent5">
+                    <a:lumMod val="75000"/>
+                  </a:schemeClr>
+                </a:solidFill>
+              </a:rPr>
               <a:t>def</a:t>
             </a:r>
             <a:r>
@@ -22834,12 +23163,30 @@
               <a:t> </a:t>
             </a:r>
             <a:r>
+              <a:rPr lang="en-US" sz="1400" dirty="0" smtClean="0"/>
+              <a:t>right(self</a:t>
+            </a:r>
+            <a:r>
               <a:rPr lang="en-US" sz="1400" dirty="0"/>
-              <a:t>Right(self, </a:t>
+              <a:t>, </a:t>
             </a:r>
             <a:r>
               <a:rPr lang="en-US" sz="1400" dirty="0" smtClean="0"/>
-              <a:t>right = None): </a:t>
+              <a:t>right = </a:t>
+            </a:r>
+            <a:r>
+              <a:rPr lang="en-US" sz="1400" b="1" dirty="0" smtClean="0">
+                <a:solidFill>
+                  <a:schemeClr val="accent5">
+                    <a:lumMod val="75000"/>
+                  </a:schemeClr>
+                </a:solidFill>
+              </a:rPr>
+              <a:t>None</a:t>
+            </a:r>
+            <a:r>
+              <a:rPr lang="en-US" sz="1400" dirty="0" smtClean="0"/>
+              <a:t>): </a:t>
             </a:r>
           </a:p>
           <a:p>
@@ -22849,7 +23196,35 @@
             </a:r>
             <a:r>
               <a:rPr lang="en-US" sz="1400" dirty="0" smtClean="0"/>
-              <a:t>	if right is None:</a:t>
+              <a:t>	</a:t>
+            </a:r>
+            <a:r>
+              <a:rPr lang="en-US" sz="1400" b="1" dirty="0" smtClean="0">
+                <a:solidFill>
+                  <a:schemeClr val="accent5">
+                    <a:lumMod val="75000"/>
+                  </a:schemeClr>
+                </a:solidFill>
+              </a:rPr>
+              <a:t>if</a:t>
+            </a:r>
+            <a:r>
+              <a:rPr lang="en-US" sz="1400" dirty="0" smtClean="0"/>
+              <a:t> right </a:t>
+            </a:r>
+            <a:r>
+              <a:rPr lang="en-US" sz="1400" b="1" dirty="0" smtClean="0">
+                <a:solidFill>
+                  <a:schemeClr val="accent5">
+                    <a:lumMod val="75000"/>
+                  </a:schemeClr>
+                </a:solidFill>
+              </a:rPr>
+              <a:t>is None</a:t>
+            </a:r>
+            <a:r>
+              <a:rPr lang="en-US" sz="1400" dirty="0" smtClean="0"/>
+              <a:t>:</a:t>
             </a:r>
           </a:p>
           <a:p>
@@ -22859,11 +23234,29 @@
             </a:r>
             <a:r>
               <a:rPr lang="en-US" sz="1400" dirty="0" smtClean="0"/>
-              <a:t>		return </a:t>
+              <a:t>		</a:t>
+            </a:r>
+            <a:r>
+              <a:rPr lang="en-US" sz="1400" b="1" dirty="0" smtClean="0">
+                <a:solidFill>
+                  <a:schemeClr val="accent5">
+                    <a:lumMod val="75000"/>
+                  </a:schemeClr>
+                </a:solidFill>
+              </a:rPr>
+              <a:t>return</a:t>
+            </a:r>
+            <a:r>
+              <a:rPr lang="en-US" sz="1400" dirty="0" smtClean="0"/>
+              <a:t> </a:t>
             </a:r>
             <a:r>
               <a:rPr lang="en-US" sz="1400" dirty="0" err="1" smtClean="0"/>
-              <a:t>self.right</a:t>
+              <a:t>self</a:t>
+            </a:r>
+            <a:r>
+              <a:rPr lang="en-US" sz="1400" dirty="0" err="1" smtClean="0"/>
+              <a:t>._right</a:t>
             </a:r>
             <a:endParaRPr lang="en-US" sz="1400" dirty="0" smtClean="0"/>
           </a:p>
@@ -22878,7 +23271,11 @@
             </a:r>
             <a:r>
               <a:rPr lang="en-US" sz="1400" dirty="0" err="1" smtClean="0"/>
-              <a:t>self.right</a:t>
+              <a:t>self</a:t>
+            </a:r>
+            <a:r>
+              <a:rPr lang="en-US" sz="1400" dirty="0" err="1" smtClean="0"/>
+              <a:t>._right</a:t>
             </a:r>
             <a:r>
               <a:rPr lang="en-US" sz="1400" dirty="0" smtClean="0"/>
@@ -22907,12 +23304,12 @@
               <a:t># Get </a:t>
             </a:r>
             <a:r>
-              <a:rPr lang="en-US" sz="1400" dirty="0" err="1" smtClean="0">
+              <a:rPr lang="en-US" sz="1400" dirty="0" smtClean="0">
                 <a:solidFill>
                   <a:srgbClr val="00B050"/>
                 </a:solidFill>
               </a:rPr>
-              <a:t>ot</a:t>
+              <a:t>or </a:t>
             </a:r>
             <a:r>
               <a:rPr lang="en-US" sz="1400" dirty="0" smtClean="0">
@@ -22920,7 +23317,7 @@
                   <a:srgbClr val="00B050"/>
                 </a:solidFill>
               </a:rPr>
-              <a:t> Set </a:t>
+              <a:t>Set </a:t>
             </a:r>
             <a:r>
               <a:rPr lang="en-US" sz="1400" dirty="0">
@@ -22942,7 +23339,13 @@
               <a:t>	</a:t>
             </a:r>
             <a:r>
-              <a:rPr lang="en-US" sz="1400" dirty="0" err="1" smtClean="0"/>
+              <a:rPr lang="en-US" sz="1400" b="1" dirty="0" err="1" smtClean="0">
+                <a:solidFill>
+                  <a:schemeClr val="accent5">
+                    <a:lumMod val="75000"/>
+                  </a:schemeClr>
+                </a:solidFill>
+              </a:rPr>
               <a:t>def</a:t>
             </a:r>
             <a:r>
@@ -22950,19 +23353,65 @@
               <a:t> </a:t>
             </a:r>
             <a:r>
+              <a:rPr lang="en-US" sz="1400" dirty="0" smtClean="0"/>
+              <a:t>key(self</a:t>
+            </a:r>
+            <a:r>
               <a:rPr lang="en-US" sz="1400" dirty="0"/>
-              <a:t>Key(self, </a:t>
+              <a:t>, </a:t>
             </a:r>
             <a:r>
               <a:rPr lang="en-US" sz="1400" dirty="0" smtClean="0"/>
-              <a:t>key = None): </a:t>
+              <a:t>key = </a:t>
+            </a:r>
+            <a:r>
+              <a:rPr lang="en-US" sz="1400" b="1" dirty="0" smtClean="0">
+                <a:solidFill>
+                  <a:schemeClr val="accent5">
+                    <a:lumMod val="75000"/>
+                  </a:schemeClr>
+                </a:solidFill>
+              </a:rPr>
+              <a:t>None</a:t>
+            </a:r>
+            <a:r>
+              <a:rPr lang="en-US" sz="1400" dirty="0" smtClean="0"/>
+              <a:t>): </a:t>
             </a:r>
             <a:br>
               <a:rPr lang="en-US" sz="1400" dirty="0" smtClean="0"/>
             </a:br>
             <a:r>
               <a:rPr lang="en-US" sz="1400" dirty="0" smtClean="0"/>
-              <a:t>		if key is None:</a:t>
+              <a:t>		</a:t>
+            </a:r>
+            <a:r>
+              <a:rPr lang="en-US" sz="1400" b="1" dirty="0" smtClean="0">
+                <a:solidFill>
+                  <a:schemeClr val="accent5">
+                    <a:lumMod val="75000"/>
+                  </a:schemeClr>
+                </a:solidFill>
+              </a:rPr>
+              <a:t>if</a:t>
+            </a:r>
+            <a:r>
+              <a:rPr lang="en-US" sz="1400" dirty="0" smtClean="0"/>
+              <a:t> key </a:t>
+            </a:r>
+            <a:r>
+              <a:rPr lang="en-US" sz="1400" b="1" dirty="0" smtClean="0">
+                <a:solidFill>
+                  <a:schemeClr val="accent5">
+                    <a:lumMod val="75000"/>
+                  </a:schemeClr>
+                </a:solidFill>
+              </a:rPr>
+              <a:t>is Non</a:t>
+            </a:r>
+            <a:r>
+              <a:rPr lang="en-US" sz="1400" dirty="0" smtClean="0"/>
+              <a:t>e:</a:t>
             </a:r>
           </a:p>
           <a:p>
@@ -22972,11 +23421,29 @@
             </a:r>
             <a:r>
               <a:rPr lang="en-US" sz="1400" dirty="0" smtClean="0"/>
-              <a:t>		return </a:t>
+              <a:t>		</a:t>
+            </a:r>
+            <a:r>
+              <a:rPr lang="en-US" sz="1400" b="1" dirty="0" smtClean="0">
+                <a:solidFill>
+                  <a:schemeClr val="accent5">
+                    <a:lumMod val="75000"/>
+                  </a:schemeClr>
+                </a:solidFill>
+              </a:rPr>
+              <a:t>return</a:t>
+            </a:r>
+            <a:r>
+              <a:rPr lang="en-US" sz="1400" dirty="0" smtClean="0"/>
+              <a:t> </a:t>
             </a:r>
             <a:r>
               <a:rPr lang="en-US" sz="1400" dirty="0" err="1" smtClean="0"/>
-              <a:t>self.key</a:t>
+              <a:t>self</a:t>
+            </a:r>
+            <a:r>
+              <a:rPr lang="en-US" sz="1400" dirty="0" err="1" smtClean="0"/>
+              <a:t>._key</a:t>
             </a:r>
             <a:endParaRPr lang="en-US" sz="1400" dirty="0" smtClean="0"/>
           </a:p>
@@ -22991,7 +23458,11 @@
             </a:r>
             <a:r>
               <a:rPr lang="en-US" sz="1400" dirty="0" err="1" smtClean="0"/>
-              <a:t>self.key</a:t>
+              <a:t>self</a:t>
+            </a:r>
+            <a:r>
+              <a:rPr lang="en-US" sz="1400" dirty="0" err="1" smtClean="0"/>
+              <a:t>._key</a:t>
             </a:r>
             <a:r>
               <a:rPr lang="en-US" sz="1400" dirty="0" smtClean="0"/>
